--- a/Software Engineering/Slides/Lecture 9.pptx
+++ b/Software Engineering/Slides/Lecture 9.pptx
@@ -5,7 +5,7 @@
     <p:sldMasterId id="2147483684" r:id="rId1"/>
   </p:sldMasterIdLst>
   <p:notesMasterIdLst>
-    <p:notesMasterId r:id="rId22"/>
+    <p:notesMasterId r:id="rId25"/>
   </p:notesMasterIdLst>
   <p:sldIdLst>
     <p:sldId id="303" r:id="rId2"/>
@@ -28,6 +28,9 @@
     <p:sldId id="427" r:id="rId19"/>
     <p:sldId id="425" r:id="rId20"/>
     <p:sldId id="426" r:id="rId21"/>
+    <p:sldId id="415" r:id="rId22"/>
+    <p:sldId id="419" r:id="rId23"/>
+    <p:sldId id="420" r:id="rId24"/>
   </p:sldIdLst>
   <p:sldSz cx="9144000" cy="6858000" type="screen4x3"/>
   <p:notesSz cx="6858000" cy="9144000"/>
@@ -228,7 +231,7 @@
             <a:fld id="{4DDCDF98-04A3-4FA1-8165-AC9A68647D5A}" type="datetimeFigureOut">
               <a:rPr lang="en-US" smtClean="0"/>
               <a:pPr/>
-              <a:t>3/17/2022</a:t>
+              <a:t>4/7/22</a:t>
             </a:fld>
             <a:endParaRPr lang="en-US"/>
           </a:p>
@@ -1082,6 +1085,80 @@
 </p:notes>
 </file>
 
+<file path=ppt/notesSlides/notesSlide9.xml><?xml version="1.0" encoding="utf-8"?>
+<p:notes xmlns:a="http://schemas.openxmlformats.org/drawingml/2006/main" xmlns:r="http://schemas.openxmlformats.org/officeDocument/2006/relationships" xmlns:p="http://schemas.openxmlformats.org/presentationml/2006/main">
+  <p:cSld>
+    <p:bg>
+      <p:bgPr>
+        <a:solidFill>
+          <a:srgbClr val="FFFFFF"/>
+        </a:solidFill>
+        <a:effectLst/>
+      </p:bgPr>
+    </p:bg>
+    <p:spTree>
+      <p:nvGrpSpPr>
+        <p:cNvPr id="1" name=""/>
+        <p:cNvGrpSpPr/>
+        <p:nvPr/>
+      </p:nvGrpSpPr>
+      <p:grpSpPr>
+        <a:xfrm>
+          <a:off x="0" y="0"/>
+          <a:ext cx="0" cy="0"/>
+          <a:chOff x="0" y="0"/>
+          <a:chExt cx="0" cy="0"/>
+        </a:xfrm>
+      </p:grpSpPr>
+      <p:sp>
+        <p:nvSpPr>
+          <p:cNvPr id="109570" name="Rectangle 1"/>
+          <p:cNvSpPr>
+            <a:spLocks noGrp="1" noRot="1" noChangeAspect="1" noChangeArrowheads="1" noTextEdit="1"/>
+          </p:cNvSpPr>
+          <p:nvPr>
+            <p:ph type="sldImg"/>
+          </p:nvPr>
+        </p:nvSpPr>
+        <p:spPr>
+          <a:ln/>
+        </p:spPr>
+      </p:sp>
+      <p:sp>
+        <p:nvSpPr>
+          <p:cNvPr id="109571" name="Rectangle 2"/>
+          <p:cNvSpPr txBox="1">
+            <a:spLocks noGrp="1" noChangeArrowheads="1"/>
+          </p:cNvSpPr>
+          <p:nvPr>
+            <p:ph type="body" idx="1"/>
+          </p:nvPr>
+        </p:nvSpPr>
+        <p:spPr>
+          <a:noFill/>
+          <a:ln/>
+        </p:spPr>
+        <p:txBody>
+          <a:bodyPr wrap="none" anchor="ctr"/>
+          <a:lstStyle/>
+          <a:p>
+            <a:endParaRPr lang="en-US"/>
+          </a:p>
+        </p:txBody>
+      </p:sp>
+    </p:spTree>
+    <p:extLst>
+      <p:ext uri="{BB962C8B-B14F-4D97-AF65-F5344CB8AC3E}">
+        <p14:creationId xmlns:p14="http://schemas.microsoft.com/office/powerpoint/2010/main" val="2564264395"/>
+      </p:ext>
+    </p:extLst>
+  </p:cSld>
+  <p:clrMapOvr>
+    <a:masterClrMapping/>
+  </p:clrMapOvr>
+</p:notes>
+</file>
+
 <file path=ppt/slideLayouts/slideLayout1.xml><?xml version="1.0" encoding="utf-8"?>
 <p:sldLayout xmlns:a="http://schemas.openxmlformats.org/drawingml/2006/main" xmlns:r="http://schemas.openxmlformats.org/officeDocument/2006/relationships" xmlns:p="http://schemas.openxmlformats.org/presentationml/2006/main" type="title" preserve="1">
   <p:cSld name="Title Slide">
@@ -1254,7 +1331,7 @@
             <a:fld id="{C3173D3E-08EC-4E65-995F-34869A3E30B2}" type="datetimeFigureOut">
               <a:rPr lang="en-US" smtClean="0"/>
               <a:pPr/>
-              <a:t>3/17/2022</a:t>
+              <a:t>4/7/22</a:t>
             </a:fld>
             <a:endParaRPr lang="en-US"/>
           </a:p>
@@ -1420,7 +1497,7 @@
             <a:fld id="{C3173D3E-08EC-4E65-995F-34869A3E30B2}" type="datetimeFigureOut">
               <a:rPr lang="en-US" smtClean="0"/>
               <a:pPr/>
-              <a:t>3/17/2022</a:t>
+              <a:t>4/7/22</a:t>
             </a:fld>
             <a:endParaRPr lang="en-US"/>
           </a:p>
@@ -1596,7 +1673,7 @@
             <a:fld id="{C3173D3E-08EC-4E65-995F-34869A3E30B2}" type="datetimeFigureOut">
               <a:rPr lang="en-US" smtClean="0"/>
               <a:pPr/>
-              <a:t>3/17/2022</a:t>
+              <a:t>4/7/22</a:t>
             </a:fld>
             <a:endParaRPr lang="en-US"/>
           </a:p>
@@ -1762,7 +1839,7 @@
             <a:fld id="{C3173D3E-08EC-4E65-995F-34869A3E30B2}" type="datetimeFigureOut">
               <a:rPr lang="en-US" smtClean="0"/>
               <a:pPr/>
-              <a:t>3/17/2022</a:t>
+              <a:t>4/7/22</a:t>
             </a:fld>
             <a:endParaRPr lang="en-US"/>
           </a:p>
@@ -2005,7 +2082,7 @@
             <a:fld id="{C3173D3E-08EC-4E65-995F-34869A3E30B2}" type="datetimeFigureOut">
               <a:rPr lang="en-US" smtClean="0"/>
               <a:pPr/>
-              <a:t>3/17/2022</a:t>
+              <a:t>4/7/22</a:t>
             </a:fld>
             <a:endParaRPr lang="en-US"/>
           </a:p>
@@ -2270,7 +2347,7 @@
             <a:fld id="{C3173D3E-08EC-4E65-995F-34869A3E30B2}" type="datetimeFigureOut">
               <a:rPr lang="en-US" smtClean="0"/>
               <a:pPr/>
-              <a:t>3/17/2022</a:t>
+              <a:t>4/7/22</a:t>
             </a:fld>
             <a:endParaRPr lang="en-US"/>
           </a:p>
@@ -2649,7 +2726,7 @@
             <a:fld id="{C3173D3E-08EC-4E65-995F-34869A3E30B2}" type="datetimeFigureOut">
               <a:rPr lang="en-US" smtClean="0"/>
               <a:pPr/>
-              <a:t>3/17/2022</a:t>
+              <a:t>4/7/22</a:t>
             </a:fld>
             <a:endParaRPr lang="en-US"/>
           </a:p>
@@ -2800,7 +2877,7 @@
             <a:fld id="{C3173D3E-08EC-4E65-995F-34869A3E30B2}" type="datetimeFigureOut">
               <a:rPr lang="en-US" smtClean="0"/>
               <a:pPr/>
-              <a:t>3/17/2022</a:t>
+              <a:t>4/7/22</a:t>
             </a:fld>
             <a:endParaRPr lang="en-US"/>
           </a:p>
@@ -2892,7 +2969,7 @@
             <a:fld id="{C3173D3E-08EC-4E65-995F-34869A3E30B2}" type="datetimeFigureOut">
               <a:rPr lang="en-US" smtClean="0"/>
               <a:pPr/>
-              <a:t>3/17/2022</a:t>
+              <a:t>4/7/22</a:t>
             </a:fld>
             <a:endParaRPr lang="en-US"/>
           </a:p>
@@ -3154,7 +3231,7 @@
             <a:fld id="{C3173D3E-08EC-4E65-995F-34869A3E30B2}" type="datetimeFigureOut">
               <a:rPr lang="en-US" smtClean="0"/>
               <a:pPr/>
-              <a:t>3/17/2022</a:t>
+              <a:t>4/7/22</a:t>
             </a:fld>
             <a:endParaRPr lang="en-US"/>
           </a:p>
@@ -3443,7 +3520,7 @@
             <a:fld id="{C3173D3E-08EC-4E65-995F-34869A3E30B2}" type="datetimeFigureOut">
               <a:rPr lang="en-US" smtClean="0"/>
               <a:pPr/>
-              <a:t>3/17/2022</a:t>
+              <a:t>4/7/22</a:t>
             </a:fld>
             <a:endParaRPr lang="en-US"/>
           </a:p>
@@ -4214,7 +4291,7 @@
             <a:fld id="{C3173D3E-08EC-4E65-995F-34869A3E30B2}" type="datetimeFigureOut">
               <a:rPr lang="en-US" smtClean="0"/>
               <a:pPr/>
-              <a:t>3/17/2022</a:t>
+              <a:t>4/7/22</a:t>
             </a:fld>
             <a:endParaRPr lang="en-US"/>
           </a:p>
@@ -6240,12 +6317,8 @@
               <a:defRPr/>
             </a:pPr>
             <a:r>
-              <a:rPr lang="en-GB" dirty="0" err="1"/>
-              <a:t>Usecase</a:t>
-            </a:r>
-            <a:r>
               <a:rPr lang="en-GB" dirty="0"/>
-              <a:t> Diagram</a:t>
+              <a:t>Use case Diagram</a:t>
             </a:r>
           </a:p>
           <a:p>
@@ -6338,15 +6411,7 @@
             </a:pPr>
             <a:r>
               <a:rPr lang="en-GB" dirty="0"/>
-              <a:t>State Diagrams (</a:t>
-            </a:r>
-            <a:r>
-              <a:rPr lang="en-GB" dirty="0" err="1"/>
-              <a:t>Statecharts</a:t>
-            </a:r>
-            <a:r>
-              <a:rPr lang="en-GB" dirty="0"/>
-              <a:t>)</a:t>
+              <a:t>State Diagrams (State charts)</a:t>
             </a:r>
           </a:p>
           <a:p>
@@ -8092,6 +8157,460 @@
     <a:masterClrMapping/>
   </p:clrMapOvr>
   <p:transition spd="med"/>
+</p:sld>
+</file>
+
+<file path=ppt/slides/slide21.xml><?xml version="1.0" encoding="utf-8"?>
+<p:sld xmlns:a="http://schemas.openxmlformats.org/drawingml/2006/main" xmlns:r="http://schemas.openxmlformats.org/officeDocument/2006/relationships" xmlns:p="http://schemas.openxmlformats.org/presentationml/2006/main">
+  <p:cSld>
+    <p:spTree>
+      <p:nvGrpSpPr>
+        <p:cNvPr id="1" name=""/>
+        <p:cNvGrpSpPr/>
+        <p:nvPr/>
+      </p:nvGrpSpPr>
+      <p:grpSpPr>
+        <a:xfrm>
+          <a:off x="0" y="0"/>
+          <a:ext cx="0" cy="0"/>
+          <a:chOff x="0" y="0"/>
+          <a:chExt cx="0" cy="0"/>
+        </a:xfrm>
+      </p:grpSpPr>
+      <p:sp>
+        <p:nvSpPr>
+          <p:cNvPr id="5" name="Rectangle 1"/>
+          <p:cNvSpPr>
+            <a:spLocks noGrp="1" noChangeArrowheads="1"/>
+          </p:cNvSpPr>
+          <p:nvPr>
+            <p:ph type="title"/>
+          </p:nvPr>
+        </p:nvSpPr>
+        <p:spPr>
+          <a:xfrm>
+            <a:off x="457200" y="304800"/>
+            <a:ext cx="8216900" cy="1131888"/>
+          </a:xfrm>
+        </p:spPr>
+        <p:txBody>
+          <a:bodyPr>
+            <a:normAutofit/>
+          </a:bodyPr>
+          <a:lstStyle/>
+          <a:p>
+            <a:pPr eaLnBrk="1" hangingPunct="1">
+              <a:tabLst>
+                <a:tab pos="0" algn="l"/>
+                <a:tab pos="457200" algn="l"/>
+                <a:tab pos="914400" algn="l"/>
+                <a:tab pos="1371600" algn="l"/>
+                <a:tab pos="1828800" algn="l"/>
+                <a:tab pos="2286000" algn="l"/>
+                <a:tab pos="2743200" algn="l"/>
+                <a:tab pos="3200400" algn="l"/>
+                <a:tab pos="3657600" algn="l"/>
+                <a:tab pos="4114800" algn="l"/>
+                <a:tab pos="4572000" algn="l"/>
+                <a:tab pos="5029200" algn="l"/>
+                <a:tab pos="5486400" algn="l"/>
+                <a:tab pos="5943600" algn="l"/>
+                <a:tab pos="6400800" algn="l"/>
+                <a:tab pos="6858000" algn="l"/>
+                <a:tab pos="7315200" algn="l"/>
+                <a:tab pos="7772400" algn="l"/>
+                <a:tab pos="8229600" algn="l"/>
+                <a:tab pos="8686800" algn="l"/>
+                <a:tab pos="9144000" algn="l"/>
+              </a:tabLst>
+            </a:pPr>
+            <a:r>
+              <a:rPr lang="en-GB" dirty="0"/>
+              <a:t>Data Flow Diagrams (Contd.)</a:t>
+            </a:r>
+          </a:p>
+        </p:txBody>
+      </p:sp>
+      <p:sp>
+        <p:nvSpPr>
+          <p:cNvPr id="51203" name="Rectangle 2"/>
+          <p:cNvSpPr>
+            <a:spLocks noGrp="1" noChangeArrowheads="1"/>
+          </p:cNvSpPr>
+          <p:nvPr>
+            <p:ph idx="1"/>
+          </p:nvPr>
+        </p:nvSpPr>
+        <p:spPr>
+          <a:xfrm>
+            <a:off x="457200" y="1447800"/>
+            <a:ext cx="8215313" cy="4664075"/>
+          </a:xfrm>
+        </p:spPr>
+        <p:txBody>
+          <a:bodyPr/>
+          <a:lstStyle/>
+          <a:p>
+            <a:pPr eaLnBrk="1" hangingPunct="1">
+              <a:tabLst>
+                <a:tab pos="454025" algn="l"/>
+                <a:tab pos="911225" algn="l"/>
+                <a:tab pos="1368425" algn="l"/>
+                <a:tab pos="1825625" algn="l"/>
+                <a:tab pos="2282825" algn="l"/>
+                <a:tab pos="2740025" algn="l"/>
+                <a:tab pos="3197225" algn="l"/>
+                <a:tab pos="3654425" algn="l"/>
+                <a:tab pos="4111625" algn="l"/>
+                <a:tab pos="4568825" algn="l"/>
+                <a:tab pos="5026025" algn="l"/>
+                <a:tab pos="5483225" algn="l"/>
+                <a:tab pos="5940425" algn="l"/>
+                <a:tab pos="6397625" algn="l"/>
+                <a:tab pos="6854825" algn="l"/>
+                <a:tab pos="7312025" algn="l"/>
+                <a:tab pos="7769225" algn="l"/>
+                <a:tab pos="8226425" algn="l"/>
+                <a:tab pos="8683625" algn="l"/>
+                <a:tab pos="9140825" algn="l"/>
+              </a:tabLst>
+            </a:pPr>
+            <a:r>
+              <a:rPr lang="en-GB" dirty="0"/>
+              <a:t>Advantage:</a:t>
+            </a:r>
+          </a:p>
+          <a:p>
+            <a:pPr lvl="1" eaLnBrk="1" hangingPunct="1">
+              <a:tabLst>
+                <a:tab pos="454025" algn="l"/>
+                <a:tab pos="911225" algn="l"/>
+                <a:tab pos="1368425" algn="l"/>
+                <a:tab pos="1825625" algn="l"/>
+                <a:tab pos="2282825" algn="l"/>
+                <a:tab pos="2740025" algn="l"/>
+                <a:tab pos="3197225" algn="l"/>
+                <a:tab pos="3654425" algn="l"/>
+                <a:tab pos="4111625" algn="l"/>
+                <a:tab pos="4568825" algn="l"/>
+                <a:tab pos="5026025" algn="l"/>
+                <a:tab pos="5483225" algn="l"/>
+                <a:tab pos="5940425" algn="l"/>
+                <a:tab pos="6397625" algn="l"/>
+                <a:tab pos="6854825" algn="l"/>
+                <a:tab pos="7312025" algn="l"/>
+                <a:tab pos="7769225" algn="l"/>
+                <a:tab pos="8226425" algn="l"/>
+                <a:tab pos="8683625" algn="l"/>
+                <a:tab pos="9140825" algn="l"/>
+              </a:tabLst>
+            </a:pPr>
+            <a:r>
+              <a:rPr lang="en-GB" dirty="0"/>
+              <a:t>Provides an intuitive model of a proposed system's high-level functionality and of the data dependencies among various processes</a:t>
+            </a:r>
+          </a:p>
+          <a:p>
+            <a:pPr eaLnBrk="1" hangingPunct="1">
+              <a:tabLst>
+                <a:tab pos="454025" algn="l"/>
+                <a:tab pos="911225" algn="l"/>
+                <a:tab pos="1368425" algn="l"/>
+                <a:tab pos="1825625" algn="l"/>
+                <a:tab pos="2282825" algn="l"/>
+                <a:tab pos="2740025" algn="l"/>
+                <a:tab pos="3197225" algn="l"/>
+                <a:tab pos="3654425" algn="l"/>
+                <a:tab pos="4111625" algn="l"/>
+                <a:tab pos="4568825" algn="l"/>
+                <a:tab pos="5026025" algn="l"/>
+                <a:tab pos="5483225" algn="l"/>
+                <a:tab pos="5940425" algn="l"/>
+                <a:tab pos="6397625" algn="l"/>
+                <a:tab pos="6854825" algn="l"/>
+                <a:tab pos="7312025" algn="l"/>
+                <a:tab pos="7769225" algn="l"/>
+                <a:tab pos="8226425" algn="l"/>
+                <a:tab pos="8683625" algn="l"/>
+                <a:tab pos="9140825" algn="l"/>
+              </a:tabLst>
+            </a:pPr>
+            <a:r>
+              <a:rPr lang="en-GB" dirty="0"/>
+              <a:t>Disadvantage:</a:t>
+            </a:r>
+          </a:p>
+          <a:p>
+            <a:pPr lvl="1" eaLnBrk="1" hangingPunct="1">
+              <a:tabLst>
+                <a:tab pos="454025" algn="l"/>
+                <a:tab pos="911225" algn="l"/>
+                <a:tab pos="1368425" algn="l"/>
+                <a:tab pos="1825625" algn="l"/>
+                <a:tab pos="2282825" algn="l"/>
+                <a:tab pos="2740025" algn="l"/>
+                <a:tab pos="3197225" algn="l"/>
+                <a:tab pos="3654425" algn="l"/>
+                <a:tab pos="4111625" algn="l"/>
+                <a:tab pos="4568825" algn="l"/>
+                <a:tab pos="5026025" algn="l"/>
+                <a:tab pos="5483225" algn="l"/>
+                <a:tab pos="5940425" algn="l"/>
+                <a:tab pos="6397625" algn="l"/>
+                <a:tab pos="6854825" algn="l"/>
+                <a:tab pos="7312025" algn="l"/>
+                <a:tab pos="7769225" algn="l"/>
+                <a:tab pos="8226425" algn="l"/>
+                <a:tab pos="8683625" algn="l"/>
+                <a:tab pos="9140825" algn="l"/>
+              </a:tabLst>
+            </a:pPr>
+            <a:r>
+              <a:rPr lang="en-GB" dirty="0"/>
+              <a:t>Can be aggravatingly ambiguous to a software developer who is less familiar with the problem being modelled</a:t>
+            </a:r>
+          </a:p>
+        </p:txBody>
+      </p:sp>
+    </p:spTree>
+    <p:extLst>
+      <p:ext uri="{BB962C8B-B14F-4D97-AF65-F5344CB8AC3E}">
+        <p14:creationId xmlns:p14="http://schemas.microsoft.com/office/powerpoint/2010/main" val="206256156"/>
+      </p:ext>
+    </p:extLst>
+  </p:cSld>
+  <p:clrMapOvr>
+    <a:masterClrMapping/>
+  </p:clrMapOvr>
+  <p:transition spd="med"/>
+</p:sld>
+</file>
+
+<file path=ppt/slides/slide22.xml><?xml version="1.0" encoding="utf-8"?>
+<p:sld xmlns:a="http://schemas.openxmlformats.org/drawingml/2006/main" xmlns:r="http://schemas.openxmlformats.org/officeDocument/2006/relationships" xmlns:p="http://schemas.openxmlformats.org/presentationml/2006/main">
+  <p:cSld>
+    <p:spTree>
+      <p:nvGrpSpPr>
+        <p:cNvPr id="1" name=""/>
+        <p:cNvGrpSpPr/>
+        <p:nvPr/>
+      </p:nvGrpSpPr>
+      <p:grpSpPr>
+        <a:xfrm>
+          <a:off x="0" y="0"/>
+          <a:ext cx="0" cy="0"/>
+          <a:chOff x="0" y="0"/>
+          <a:chExt cx="0" cy="0"/>
+        </a:xfrm>
+      </p:grpSpPr>
+      <p:sp>
+        <p:nvSpPr>
+          <p:cNvPr id="2" name="Title 1"/>
+          <p:cNvSpPr>
+            <a:spLocks noGrp="1"/>
+          </p:cNvSpPr>
+          <p:nvPr>
+            <p:ph type="title"/>
+          </p:nvPr>
+        </p:nvSpPr>
+        <p:spPr/>
+        <p:txBody>
+          <a:bodyPr/>
+          <a:lstStyle/>
+          <a:p>
+            <a:r>
+              <a:rPr lang="en-US" dirty="0"/>
+              <a:t>Checking Consistency of DFDs</a:t>
+            </a:r>
+          </a:p>
+        </p:txBody>
+      </p:sp>
+      <p:sp>
+        <p:nvSpPr>
+          <p:cNvPr id="3" name="Content Placeholder 2"/>
+          <p:cNvSpPr>
+            <a:spLocks noGrp="1"/>
+          </p:cNvSpPr>
+          <p:nvPr>
+            <p:ph idx="1"/>
+          </p:nvPr>
+        </p:nvSpPr>
+        <p:spPr/>
+        <p:txBody>
+          <a:bodyPr>
+            <a:normAutofit lnSpcReduction="10000"/>
+          </a:bodyPr>
+          <a:lstStyle/>
+          <a:p>
+            <a:r>
+              <a:rPr lang="en-US" dirty="0"/>
+              <a:t>The following checklist can be used to verify the consistency of a collection of DFDs:</a:t>
+            </a:r>
+          </a:p>
+          <a:p>
+            <a:pPr marL="850392" lvl="1" indent="-457200">
+              <a:buFont typeface="+mj-lt"/>
+              <a:buAutoNum type="arabicPeriod"/>
+            </a:pPr>
+            <a:r>
+              <a:rPr lang="en-US" dirty="0"/>
+              <a:t>Is each requirements function represented by a data transform somewhere in the DFDs?</a:t>
+            </a:r>
+          </a:p>
+          <a:p>
+            <a:pPr marL="850392" lvl="1" indent="-457200">
+              <a:buFont typeface="+mj-lt"/>
+              <a:buAutoNum type="arabicPeriod"/>
+            </a:pPr>
+            <a:r>
+              <a:rPr lang="en-US" dirty="0"/>
+              <a:t>Is each system input and output represented in the DFDs?</a:t>
+            </a:r>
+          </a:p>
+          <a:p>
+            <a:pPr marL="850392" lvl="1" indent="-457200">
+              <a:buFont typeface="+mj-lt"/>
+              <a:buAutoNum type="arabicPeriod"/>
+            </a:pPr>
+            <a:r>
+              <a:rPr lang="en-US" dirty="0"/>
+              <a:t>Is each input and output from higher-level DFDs reproduced correctly in any lower-level refinement DFDs?</a:t>
+            </a:r>
+          </a:p>
+          <a:p>
+            <a:pPr marL="850392" lvl="1" indent="-457200">
+              <a:buFont typeface="+mj-lt"/>
+              <a:buAutoNum type="arabicPeriod"/>
+            </a:pPr>
+            <a:r>
+              <a:rPr lang="en-US" dirty="0"/>
+              <a:t>Is each transform in the lowest-level DFDs is a primitive one?</a:t>
+            </a:r>
+          </a:p>
+          <a:p>
+            <a:pPr marL="850392" lvl="1" indent="-457200">
+              <a:buFont typeface="+mj-lt"/>
+              <a:buAutoNum type="arabicPeriod"/>
+            </a:pPr>
+            <a:endParaRPr lang="en-US" dirty="0"/>
+          </a:p>
+        </p:txBody>
+      </p:sp>
+    </p:spTree>
+    <p:extLst>
+      <p:ext uri="{BB962C8B-B14F-4D97-AF65-F5344CB8AC3E}">
+        <p14:creationId xmlns:p14="http://schemas.microsoft.com/office/powerpoint/2010/main" val="1266985193"/>
+      </p:ext>
+    </p:extLst>
+  </p:cSld>
+  <p:clrMapOvr>
+    <a:masterClrMapping/>
+  </p:clrMapOvr>
+</p:sld>
+</file>
+
+<file path=ppt/slides/slide23.xml><?xml version="1.0" encoding="utf-8"?>
+<p:sld xmlns:a="http://schemas.openxmlformats.org/drawingml/2006/main" xmlns:r="http://schemas.openxmlformats.org/officeDocument/2006/relationships" xmlns:p="http://schemas.openxmlformats.org/presentationml/2006/main">
+  <p:cSld>
+    <p:spTree>
+      <p:nvGrpSpPr>
+        <p:cNvPr id="1" name=""/>
+        <p:cNvGrpSpPr/>
+        <p:nvPr/>
+      </p:nvGrpSpPr>
+      <p:grpSpPr>
+        <a:xfrm>
+          <a:off x="0" y="0"/>
+          <a:ext cx="0" cy="0"/>
+          <a:chOff x="0" y="0"/>
+          <a:chExt cx="0" cy="0"/>
+        </a:xfrm>
+      </p:grpSpPr>
+      <p:sp>
+        <p:nvSpPr>
+          <p:cNvPr id="2" name="Title 1"/>
+          <p:cNvSpPr>
+            <a:spLocks noGrp="1"/>
+          </p:cNvSpPr>
+          <p:nvPr>
+            <p:ph type="title"/>
+          </p:nvPr>
+        </p:nvSpPr>
+        <p:spPr/>
+        <p:txBody>
+          <a:bodyPr>
+            <a:normAutofit fontScale="90000"/>
+          </a:bodyPr>
+          <a:lstStyle/>
+          <a:p>
+            <a:r>
+              <a:rPr lang="en-US" dirty="0"/>
+              <a:t>Checking Consistency of DFDs (Contd.)</a:t>
+            </a:r>
+          </a:p>
+        </p:txBody>
+      </p:sp>
+      <p:sp>
+        <p:nvSpPr>
+          <p:cNvPr id="3" name="Content Placeholder 2"/>
+          <p:cNvSpPr>
+            <a:spLocks noGrp="1"/>
+          </p:cNvSpPr>
+          <p:nvPr>
+            <p:ph idx="1"/>
+          </p:nvPr>
+        </p:nvSpPr>
+        <p:spPr/>
+        <p:txBody>
+          <a:bodyPr>
+            <a:normAutofit/>
+          </a:bodyPr>
+          <a:lstStyle/>
+          <a:p>
+            <a:r>
+              <a:rPr lang="en-US" dirty="0"/>
+              <a:t>The following checklist can be used to verify the consistency of a collection of DFDs (contd.):</a:t>
+            </a:r>
+          </a:p>
+          <a:p>
+            <a:pPr marL="850392" lvl="1" indent="-457200">
+              <a:buFont typeface="+mj-lt"/>
+              <a:buAutoNum type="arabicPeriod" startAt="5"/>
+            </a:pPr>
+            <a:r>
+              <a:rPr lang="en-US" dirty="0"/>
+              <a:t>Do all information flows have labels that correspond to an entry in the data dictionary?</a:t>
+            </a:r>
+          </a:p>
+          <a:p>
+            <a:pPr marL="850392" lvl="1" indent="-457200">
+              <a:buFont typeface="+mj-lt"/>
+              <a:buAutoNum type="arabicPeriod" startAt="5"/>
+            </a:pPr>
+            <a:r>
+              <a:rPr lang="en-US" dirty="0"/>
+              <a:t>Do all data dictionary entries appear in some DFD?</a:t>
+            </a:r>
+          </a:p>
+          <a:p>
+            <a:pPr marL="850392" lvl="1" indent="-457200">
+              <a:buFont typeface="+mj-lt"/>
+              <a:buAutoNum type="arabicPeriod" startAt="5"/>
+            </a:pPr>
+            <a:endParaRPr lang="en-US" dirty="0"/>
+          </a:p>
+        </p:txBody>
+      </p:sp>
+    </p:spTree>
+    <p:extLst>
+      <p:ext uri="{BB962C8B-B14F-4D97-AF65-F5344CB8AC3E}">
+        <p14:creationId xmlns:p14="http://schemas.microsoft.com/office/powerpoint/2010/main" val="2275189558"/>
+      </p:ext>
+    </p:extLst>
+  </p:cSld>
+  <p:clrMapOvr>
+    <a:masterClrMapping/>
+  </p:clrMapOvr>
 </p:sld>
 </file>
 
